--- a/docs/diagrams/SortObserverPatternClassDiagram.pptx
+++ b/docs/diagrams/SortObserverPatternClassDiagram.pptx
@@ -3454,7 +3454,7 @@
         </p:nvSpPr>
         <p:spPr>
           <a:xfrm>
-            <a:off x="373967" y="4565658"/>
+            <a:off x="2050367" y="4489458"/>
             <a:ext cx="4731431" cy="920742"/>
           </a:xfrm>
           <a:prstGeom prst="roundRect">
@@ -3527,7 +3527,7 @@
         </p:nvSpPr>
         <p:spPr>
           <a:xfrm>
-            <a:off x="373968" y="2307506"/>
+            <a:off x="2050368" y="2231306"/>
             <a:ext cx="4731431" cy="1807851"/>
           </a:xfrm>
           <a:prstGeom prst="roundRect">
@@ -3600,19 +3600,19 @@
         </p:nvSpPr>
         <p:spPr>
           <a:xfrm>
-            <a:off x="1817912" y="3468881"/>
+            <a:off x="3494312" y="3392681"/>
             <a:ext cx="1956948" cy="493785"/>
           </a:xfrm>
           <a:prstGeom prst="rect">
             <a:avLst/>
           </a:prstGeom>
           <a:solidFill>
-            <a:srgbClr val="0070C0"/>
+            <a:schemeClr val="accent2">
+              <a:lumMod val="75000"/>
+            </a:schemeClr>
           </a:solidFill>
           <a:ln w="19050">
-            <a:solidFill>
-              <a:srgbClr val="0070C0"/>
-            </a:solidFill>
+            <a:noFill/>
           </a:ln>
           <a:effectLst/>
         </p:spPr>
@@ -3683,7 +3683,173 @@
         </p:nvSpPr>
         <p:spPr>
           <a:xfrm>
-            <a:off x="1752600" y="2415103"/>
+            <a:off x="3429000" y="2338903"/>
+            <a:ext cx="2087575" cy="493785"/>
+          </a:xfrm>
+          <a:prstGeom prst="rect">
+            <a:avLst/>
+          </a:prstGeom>
+          <a:solidFill>
+            <a:schemeClr val="accent2">
+              <a:lumMod val="75000"/>
+            </a:schemeClr>
+          </a:solidFill>
+          <a:ln w="19050">
+            <a:noFill/>
+          </a:ln>
+          <a:effectLst/>
+        </p:spPr>
+        <p:style>
+          <a:lnRef idx="1">
+            <a:schemeClr val="accent2"/>
+          </a:lnRef>
+          <a:fillRef idx="2">
+            <a:schemeClr val="accent2"/>
+          </a:fillRef>
+          <a:effectRef idx="1">
+            <a:schemeClr val="accent2"/>
+          </a:effectRef>
+          <a:fontRef idx="minor">
+            <a:schemeClr val="dk1"/>
+          </a:fontRef>
+        </p:style>
+        <p:txBody>
+          <a:bodyPr rtlCol="0" anchor="ctr"/>
+          <a:lstStyle/>
+          <a:p>
+            <a:pPr algn="ctr"/>
+            <a:r>
+              <a:rPr lang="en-US" sz="1600" dirty="0" err="1" smtClean="0">
+                <a:solidFill>
+                  <a:schemeClr val="bg1"/>
+                </a:solidFill>
+              </a:rPr>
+              <a:t>filteredList:FilteredList</a:t>
+            </a:r>
+            <a:r>
+              <a:rPr lang="en-US" sz="1600" dirty="0" smtClean="0">
+                <a:solidFill>
+                  <a:schemeClr val="bg1"/>
+                </a:solidFill>
+              </a:rPr>
+              <a:t>&lt;</a:t>
+            </a:r>
+            <a:r>
+              <a:rPr lang="en-US" sz="1600" dirty="0" err="1" smtClean="0">
+                <a:solidFill>
+                  <a:schemeClr val="bg1"/>
+                </a:solidFill>
+              </a:rPr>
+              <a:t>ReadOnlyPerson</a:t>
+            </a:r>
+            <a:r>
+              <a:rPr lang="en-US" sz="1600" dirty="0" smtClean="0">
+                <a:solidFill>
+                  <a:schemeClr val="bg1"/>
+                </a:solidFill>
+              </a:rPr>
+              <a:t>&gt;</a:t>
+            </a:r>
+            <a:endParaRPr lang="en-SG" sz="1600" dirty="0">
+              <a:solidFill>
+                <a:schemeClr val="bg1"/>
+              </a:solidFill>
+            </a:endParaRPr>
+          </a:p>
+        </p:txBody>
+      </p:sp>
+      <p:sp>
+        <p:nvSpPr>
+          <p:cNvPr id="53" name="Rectangle 62"/>
+          <p:cNvSpPr/>
+          <p:nvPr/>
+        </p:nvSpPr>
+        <p:spPr>
+          <a:xfrm>
+            <a:off x="3303812" y="4687815"/>
+            <a:ext cx="2337947" cy="493785"/>
+          </a:xfrm>
+          <a:prstGeom prst="rect">
+            <a:avLst/>
+          </a:prstGeom>
+          <a:solidFill>
+            <a:schemeClr val="accent3">
+              <a:lumMod val="75000"/>
+            </a:schemeClr>
+          </a:solidFill>
+          <a:ln w="19050">
+            <a:noFill/>
+          </a:ln>
+          <a:effectLst/>
+        </p:spPr>
+        <p:style>
+          <a:lnRef idx="1">
+            <a:schemeClr val="accent2"/>
+          </a:lnRef>
+          <a:fillRef idx="2">
+            <a:schemeClr val="accent2"/>
+          </a:fillRef>
+          <a:effectRef idx="1">
+            <a:schemeClr val="accent2"/>
+          </a:effectRef>
+          <a:fontRef idx="minor">
+            <a:schemeClr val="dk1"/>
+          </a:fontRef>
+        </p:style>
+        <p:txBody>
+          <a:bodyPr rtlCol="0" anchor="ctr"/>
+          <a:lstStyle/>
+          <a:p>
+            <a:pPr algn="ctr"/>
+            <a:r>
+              <a:rPr lang="en-US" sz="1600" dirty="0" err="1" smtClean="0">
+                <a:solidFill>
+                  <a:schemeClr val="bg1"/>
+                </a:solidFill>
+              </a:rPr>
+              <a:t>personList:ObservableList</a:t>
+            </a:r>
+            <a:r>
+              <a:rPr lang="en-US" sz="1600" dirty="0" smtClean="0">
+                <a:solidFill>
+                  <a:schemeClr val="bg1"/>
+                </a:solidFill>
+              </a:rPr>
+              <a:t>&lt;</a:t>
+            </a:r>
+            <a:r>
+              <a:rPr lang="en-US" sz="1600" dirty="0" err="1" smtClean="0">
+                <a:solidFill>
+                  <a:schemeClr val="bg1"/>
+                </a:solidFill>
+              </a:rPr>
+              <a:t>ReadOnlyPerson</a:t>
+            </a:r>
+            <a:r>
+              <a:rPr lang="en-US" sz="1600" dirty="0" smtClean="0">
+                <a:solidFill>
+                  <a:schemeClr val="bg1"/>
+                </a:solidFill>
+              </a:rPr>
+              <a:t>&gt;</a:t>
+            </a:r>
+            <a:endParaRPr lang="en-SG" sz="1600" dirty="0">
+              <a:solidFill>
+                <a:schemeClr val="bg1"/>
+              </a:solidFill>
+            </a:endParaRPr>
+          </a:p>
+        </p:txBody>
+      </p:sp>
+      <p:sp>
+        <p:nvSpPr>
+          <p:cNvPr id="54" name="Rectangle 62"/>
+          <p:cNvSpPr/>
+          <p:nvPr/>
+        </p:nvSpPr>
+        <p:spPr>
+          <a:xfrm>
+            <a:off x="3429000" y="1219200"/>
             <a:ext cx="2087575" cy="493785"/>
           </a:xfrm>
           <a:prstGeom prst="rect">
@@ -3719,172 +3885,6 @@
           <a:p>
             <a:pPr algn="ctr"/>
             <a:r>
-              <a:rPr lang="en-US" sz="1600" dirty="0" err="1" smtClean="0">
-                <a:solidFill>
-                  <a:schemeClr val="bg1"/>
-                </a:solidFill>
-              </a:rPr>
-              <a:t>filteredList:FilteredList</a:t>
-            </a:r>
-            <a:r>
-              <a:rPr lang="en-US" sz="1600" dirty="0" smtClean="0">
-                <a:solidFill>
-                  <a:schemeClr val="bg1"/>
-                </a:solidFill>
-              </a:rPr>
-              <a:t>&lt;</a:t>
-            </a:r>
-            <a:r>
-              <a:rPr lang="en-US" sz="1600" dirty="0" err="1" smtClean="0">
-                <a:solidFill>
-                  <a:schemeClr val="bg1"/>
-                </a:solidFill>
-              </a:rPr>
-              <a:t>ReadOnlyPerson</a:t>
-            </a:r>
-            <a:r>
-              <a:rPr lang="en-US" sz="1600" dirty="0" smtClean="0">
-                <a:solidFill>
-                  <a:schemeClr val="bg1"/>
-                </a:solidFill>
-              </a:rPr>
-              <a:t>&gt;</a:t>
-            </a:r>
-            <a:endParaRPr lang="en-SG" sz="1600" dirty="0">
-              <a:solidFill>
-                <a:schemeClr val="bg1"/>
-              </a:solidFill>
-            </a:endParaRPr>
-          </a:p>
-        </p:txBody>
-      </p:sp>
-      <p:sp>
-        <p:nvSpPr>
-          <p:cNvPr id="53" name="Rectangle 62"/>
-          <p:cNvSpPr/>
-          <p:nvPr/>
-        </p:nvSpPr>
-        <p:spPr>
-          <a:xfrm>
-            <a:off x="1627412" y="4764015"/>
-            <a:ext cx="2337947" cy="493785"/>
-          </a:xfrm>
-          <a:prstGeom prst="rect">
-            <a:avLst/>
-          </a:prstGeom>
-          <a:solidFill>
-            <a:srgbClr val="0070C0"/>
-          </a:solidFill>
-          <a:ln w="19050">
-            <a:solidFill>
-              <a:srgbClr val="0070C0"/>
-            </a:solidFill>
-          </a:ln>
-          <a:effectLst/>
-        </p:spPr>
-        <p:style>
-          <a:lnRef idx="1">
-            <a:schemeClr val="accent2"/>
-          </a:lnRef>
-          <a:fillRef idx="2">
-            <a:schemeClr val="accent2"/>
-          </a:fillRef>
-          <a:effectRef idx="1">
-            <a:schemeClr val="accent2"/>
-          </a:effectRef>
-          <a:fontRef idx="minor">
-            <a:schemeClr val="dk1"/>
-          </a:fontRef>
-        </p:style>
-        <p:txBody>
-          <a:bodyPr rtlCol="0" anchor="ctr"/>
-          <a:lstStyle/>
-          <a:p>
-            <a:pPr algn="ctr"/>
-            <a:r>
-              <a:rPr lang="en-US" sz="1600" dirty="0" err="1" smtClean="0">
-                <a:solidFill>
-                  <a:schemeClr val="bg1"/>
-                </a:solidFill>
-              </a:rPr>
-              <a:t>personList:ObservableList</a:t>
-            </a:r>
-            <a:r>
-              <a:rPr lang="en-US" sz="1600" dirty="0" smtClean="0">
-                <a:solidFill>
-                  <a:schemeClr val="bg1"/>
-                </a:solidFill>
-              </a:rPr>
-              <a:t>&lt;</a:t>
-            </a:r>
-            <a:r>
-              <a:rPr lang="en-US" sz="1600" dirty="0" err="1" smtClean="0">
-                <a:solidFill>
-                  <a:schemeClr val="bg1"/>
-                </a:solidFill>
-              </a:rPr>
-              <a:t>ReadOnlyPerson</a:t>
-            </a:r>
-            <a:r>
-              <a:rPr lang="en-US" sz="1600" dirty="0" smtClean="0">
-                <a:solidFill>
-                  <a:schemeClr val="bg1"/>
-                </a:solidFill>
-              </a:rPr>
-              <a:t>&gt;</a:t>
-            </a:r>
-            <a:endParaRPr lang="en-SG" sz="1600" dirty="0">
-              <a:solidFill>
-                <a:schemeClr val="bg1"/>
-              </a:solidFill>
-            </a:endParaRPr>
-          </a:p>
-        </p:txBody>
-      </p:sp>
-      <p:sp>
-        <p:nvSpPr>
-          <p:cNvPr id="54" name="Rectangle 62"/>
-          <p:cNvSpPr/>
-          <p:nvPr/>
-        </p:nvSpPr>
-        <p:spPr>
-          <a:xfrm>
-            <a:off x="1752600" y="1295400"/>
-            <a:ext cx="2087575" cy="493785"/>
-          </a:xfrm>
-          <a:prstGeom prst="rect">
-            <a:avLst/>
-          </a:prstGeom>
-          <a:solidFill>
-            <a:srgbClr val="0070C0"/>
-          </a:solidFill>
-          <a:ln w="19050">
-            <a:solidFill>
-              <a:srgbClr val="0070C0"/>
-            </a:solidFill>
-          </a:ln>
-          <a:effectLst/>
-        </p:spPr>
-        <p:style>
-          <a:lnRef idx="1">
-            <a:schemeClr val="accent2"/>
-          </a:lnRef>
-          <a:fillRef idx="2">
-            <a:schemeClr val="accent2"/>
-          </a:fillRef>
-          <a:effectRef idx="1">
-            <a:schemeClr val="accent2"/>
-          </a:effectRef>
-          <a:fontRef idx="minor">
-            <a:schemeClr val="dk1"/>
-          </a:fontRef>
-        </p:style>
-        <p:txBody>
-          <a:bodyPr rtlCol="0" anchor="ctr"/>
-          <a:lstStyle/>
-          <a:p>
-            <a:pPr algn="ctr"/>
-            <a:r>
               <a:rPr lang="en-US" sz="1600" dirty="0" smtClean="0">
                 <a:solidFill>
                   <a:schemeClr val="bg1"/>
@@ -3919,7 +3919,7 @@
         </p:nvCxnSpPr>
         <p:spPr>
           <a:xfrm>
-            <a:off x="2796388" y="1789185"/>
+            <a:off x="4472788" y="1712985"/>
             <a:ext cx="0" cy="625918"/>
           </a:xfrm>
           <a:prstGeom prst="line">
@@ -3952,7 +3952,7 @@
         </p:nvCxnSpPr>
         <p:spPr>
           <a:xfrm flipH="1">
-            <a:off x="2796386" y="2908888"/>
+            <a:off x="4472786" y="2832688"/>
             <a:ext cx="2" cy="559993"/>
           </a:xfrm>
           <a:prstGeom prst="line">
@@ -3985,7 +3985,7 @@
         </p:nvCxnSpPr>
         <p:spPr>
           <a:xfrm>
-            <a:off x="2796386" y="3962666"/>
+            <a:off x="4472786" y="3886466"/>
             <a:ext cx="0" cy="801349"/>
           </a:xfrm>
           <a:prstGeom prst="line">
@@ -4015,7 +4015,7 @@
         </p:nvSpPr>
         <p:spPr>
           <a:xfrm>
-            <a:off x="1814779" y="4133135"/>
+            <a:off x="3491179" y="4056935"/>
             <a:ext cx="743473" cy="276999"/>
           </a:xfrm>
           <a:prstGeom prst="rect">
@@ -4045,7 +4045,7 @@
         </p:nvSpPr>
         <p:spPr>
           <a:xfrm>
-            <a:off x="3196689" y="4240787"/>
+            <a:off x="4873089" y="4164587"/>
             <a:ext cx="99806" cy="102613"/>
           </a:xfrm>
           <a:prstGeom prst="triangle">
@@ -4091,7 +4091,7 @@
         </p:nvSpPr>
         <p:spPr>
           <a:xfrm>
-            <a:off x="1771234" y="2996194"/>
+            <a:off x="3447634" y="2919994"/>
             <a:ext cx="743473" cy="276999"/>
           </a:xfrm>
           <a:prstGeom prst="rect">
@@ -4121,7 +4121,7 @@
         </p:nvSpPr>
         <p:spPr>
           <a:xfrm>
-            <a:off x="3196689" y="3100133"/>
+            <a:off x="4873089" y="3023933"/>
             <a:ext cx="99806" cy="102613"/>
           </a:xfrm>
           <a:prstGeom prst="triangle">
@@ -4167,7 +4167,7 @@
         </p:nvSpPr>
         <p:spPr>
           <a:xfrm>
-            <a:off x="1764096" y="1828800"/>
+            <a:off x="3440496" y="1752600"/>
             <a:ext cx="743473" cy="276999"/>
           </a:xfrm>
           <a:prstGeom prst="rect">
@@ -4197,7 +4197,7 @@
         </p:nvSpPr>
         <p:spPr>
           <a:xfrm>
-            <a:off x="3198260" y="1932739"/>
+            <a:off x="4874660" y="1856539"/>
             <a:ext cx="99806" cy="102613"/>
           </a:xfrm>
           <a:prstGeom prst="triangle">
@@ -4243,7 +4243,7 @@
         </p:nvSpPr>
         <p:spPr>
           <a:xfrm>
-            <a:off x="2774577" y="1998103"/>
+            <a:off x="4450977" y="1921903"/>
             <a:ext cx="946413" cy="276999"/>
           </a:xfrm>
           <a:prstGeom prst="rect">
@@ -4277,7 +4277,7 @@
         </p:nvSpPr>
         <p:spPr>
           <a:xfrm flipV="1">
-            <a:off x="2087575" y="2082832"/>
+            <a:off x="3763975" y="2006632"/>
             <a:ext cx="98845" cy="89434"/>
           </a:xfrm>
           <a:prstGeom prst="triangle">
@@ -4323,7 +4323,7 @@
         </p:nvSpPr>
         <p:spPr>
           <a:xfrm>
-            <a:off x="2797474" y="3165655"/>
+            <a:off x="4473874" y="3089455"/>
             <a:ext cx="946413" cy="276999"/>
           </a:xfrm>
           <a:prstGeom prst="rect">
@@ -4357,7 +4357,7 @@
         </p:nvSpPr>
         <p:spPr>
           <a:xfrm flipV="1">
-            <a:off x="2110472" y="3250384"/>
+            <a:off x="3786872" y="3174184"/>
             <a:ext cx="98845" cy="89434"/>
           </a:xfrm>
           <a:prstGeom prst="triangle">
@@ -4403,7 +4403,7 @@
         </p:nvSpPr>
         <p:spPr>
           <a:xfrm>
-            <a:off x="2829973" y="4295001"/>
+            <a:off x="4506373" y="4218801"/>
             <a:ext cx="946413" cy="276999"/>
           </a:xfrm>
           <a:prstGeom prst="rect">
@@ -4437,7 +4437,7 @@
         </p:nvSpPr>
         <p:spPr>
           <a:xfrm flipV="1">
-            <a:off x="2142971" y="4379730"/>
+            <a:off x="3819371" y="4303530"/>
             <a:ext cx="98845" cy="89434"/>
           </a:xfrm>
           <a:prstGeom prst="triangle">
@@ -4485,6 +4485,13 @@
   <p:clrMapOvr>
     <a:masterClrMapping/>
   </p:clrMapOvr>
+  <p:timing>
+    <p:tnLst>
+      <p:par>
+        <p:cTn id="1" dur="indefinite" restart="never" nodeType="tmRoot"/>
+      </p:par>
+    </p:tnLst>
+  </p:timing>
 </p:sld>
 </file>
 
